--- a/과제/깃허브정리.pptx
+++ b/과제/깃허브정리.pptx
@@ -5,7 +5,7 @@
     <p:sldMasterId id="2147483648" r:id="rId1"/>
   </p:sldMasterIdLst>
   <p:notesMasterIdLst>
-    <p:notesMasterId r:id="rId13"/>
+    <p:notesMasterId r:id="rId14"/>
   </p:notesMasterIdLst>
   <p:sldIdLst>
     <p:sldId id="256" r:id="rId2"/>
@@ -18,25 +18,26 @@
     <p:sldId id="268" r:id="rId9"/>
     <p:sldId id="269" r:id="rId10"/>
     <p:sldId id="270" r:id="rId11"/>
-    <p:sldId id="264" r:id="rId12"/>
+    <p:sldId id="271" r:id="rId12"/>
+    <p:sldId id="264" r:id="rId13"/>
   </p:sldIdLst>
   <p:sldSz cx="14630400" cy="8229600"/>
   <p:notesSz cx="8229600" cy="14630400"/>
   <p:embeddedFontLst>
     <p:embeddedFont>
       <p:font typeface="Nunito Semi Bold" panose="020B0600000101010101" charset="0"/>
-      <p:regular r:id="rId14"/>
+      <p:regular r:id="rId15"/>
     </p:embeddedFont>
     <p:embeddedFont>
       <p:font typeface="PT Sans" panose="020B0503020203020204" pitchFamily="34" charset="0"/>
-      <p:regular r:id="rId15"/>
-      <p:bold r:id="rId16"/>
-      <p:italic r:id="rId17"/>
-      <p:boldItalic r:id="rId18"/>
+      <p:regular r:id="rId16"/>
+      <p:bold r:id="rId17"/>
+      <p:italic r:id="rId18"/>
+      <p:boldItalic r:id="rId19"/>
     </p:embeddedFont>
     <p:embeddedFont>
-      <p:font typeface="PT Sans Bold" panose="020B0703020203020204" pitchFamily="34" charset="0"/>
-      <p:bold r:id="rId19"/>
+      <p:font typeface="PT Sans Bold" panose="020B0703020203020204" charset="0"/>
+      <p:bold r:id="rId20"/>
     </p:embeddedFont>
   </p:embeddedFontLst>
   <p:defaultTextStyle>
@@ -464,6 +465,114 @@
   <p:cSld>
     <p:spTree>
       <p:nvGrpSpPr>
+        <p:cNvPr id="1" name="">
+          <a:extLst>
+            <a:ext uri="{FF2B5EF4-FFF2-40B4-BE49-F238E27FC236}">
+              <a16:creationId xmlns:a16="http://schemas.microsoft.com/office/drawing/2014/main" id="{E8A79C0D-C734-5041-219A-34169DC8EB9D}"/>
+            </a:ext>
+          </a:extLst>
+        </p:cNvPr>
+        <p:cNvGrpSpPr/>
+        <p:nvPr/>
+      </p:nvGrpSpPr>
+      <p:grpSpPr>
+        <a:xfrm>
+          <a:off x="0" y="0"/>
+          <a:ext cx="0" cy="0"/>
+          <a:chOff x="0" y="0"/>
+          <a:chExt cx="0" cy="0"/>
+        </a:xfrm>
+      </p:grpSpPr>
+      <p:sp>
+        <p:nvSpPr>
+          <p:cNvPr id="2" name="Slide Image Placeholder 1">
+            <a:extLst>
+              <a:ext uri="{FF2B5EF4-FFF2-40B4-BE49-F238E27FC236}">
+                <a16:creationId xmlns:a16="http://schemas.microsoft.com/office/drawing/2014/main" id="{80F38540-EFB9-65A7-724D-6514A7BB9F67}"/>
+              </a:ext>
+            </a:extLst>
+          </p:cNvPr>
+          <p:cNvSpPr>
+            <a:spLocks noGrp="1" noRot="1" noChangeAspect="1"/>
+          </p:cNvSpPr>
+          <p:nvPr>
+            <p:ph type="sldImg"/>
+          </p:nvPr>
+        </p:nvSpPr>
+        <p:spPr/>
+      </p:sp>
+      <p:sp>
+        <p:nvSpPr>
+          <p:cNvPr id="3" name="Notes Placeholder 2">
+            <a:extLst>
+              <a:ext uri="{FF2B5EF4-FFF2-40B4-BE49-F238E27FC236}">
+                <a16:creationId xmlns:a16="http://schemas.microsoft.com/office/drawing/2014/main" id="{F4EEBF47-F2C1-D84A-967E-E6A3D018AB3B}"/>
+              </a:ext>
+            </a:extLst>
+          </p:cNvPr>
+          <p:cNvSpPr>
+            <a:spLocks noGrp="1"/>
+          </p:cNvSpPr>
+          <p:nvPr>
+            <p:ph type="body" idx="1"/>
+          </p:nvPr>
+        </p:nvSpPr>
+        <p:spPr/>
+        <p:txBody>
+          <a:bodyPr/>
+          <a:lstStyle/>
+          <a:p>
+            <a:endParaRPr lang="en-US" dirty="0"/>
+          </a:p>
+        </p:txBody>
+      </p:sp>
+      <p:sp>
+        <p:nvSpPr>
+          <p:cNvPr id="4" name="Slide Number Placeholder 3">
+            <a:extLst>
+              <a:ext uri="{FF2B5EF4-FFF2-40B4-BE49-F238E27FC236}">
+                <a16:creationId xmlns:a16="http://schemas.microsoft.com/office/drawing/2014/main" id="{0AAC6298-21EF-1005-0004-150C062F9B3A}"/>
+              </a:ext>
+            </a:extLst>
+          </p:cNvPr>
+          <p:cNvSpPr>
+            <a:spLocks noGrp="1"/>
+          </p:cNvSpPr>
+          <p:nvPr>
+            <p:ph type="sldNum" sz="quarter" idx="10"/>
+          </p:nvPr>
+        </p:nvSpPr>
+        <p:spPr/>
+        <p:txBody>
+          <a:bodyPr/>
+          <a:lstStyle/>
+          <a:p>
+            <a:fld id="{F7021451-1387-4CA6-816F-3879F97B5CBC}" type="slidenum">
+              <a:rPr lang="en-US"/>
+              <a:t>11</a:t>
+            </a:fld>
+            <a:endParaRPr lang="en-US"/>
+          </a:p>
+        </p:txBody>
+      </p:sp>
+    </p:spTree>
+    <p:extLst>
+      <p:ext uri="{BB962C8B-B14F-4D97-AF65-F5344CB8AC3E}">
+        <p14:creationId xmlns:p14="http://schemas.microsoft.com/office/powerpoint/2010/main" val="2963256243"/>
+      </p:ext>
+    </p:extLst>
+  </p:cSld>
+  <p:clrMapOvr>
+    <a:masterClrMapping/>
+  </p:clrMapOvr>
+</p:notes>
+</file>
+
+<file path=ppt/notesSlides/notesSlide12.xml><?xml version="1.0" encoding="utf-8"?>
+<p:notes xmlns:a="http://schemas.openxmlformats.org/drawingml/2006/main" xmlns:r="http://schemas.openxmlformats.org/officeDocument/2006/relationships" xmlns:p="http://schemas.openxmlformats.org/presentationml/2006/main">
+  <p:cSld>
+    <p:spTree>
+      <p:nvGrpSpPr>
         <p:cNvPr id="1" name=""/>
         <p:cNvGrpSpPr/>
         <p:nvPr/>
@@ -524,7 +633,7 @@
           <a:p>
             <a:fld id="{F7021451-1387-4CA6-816F-3879F97B5CBC}" type="slidenum">
               <a:rPr lang="en-US"/>
-              <a:t>11</a:t>
+              <a:t>12</a:t>
             </a:fld>
             <a:endParaRPr lang="en-US"/>
           </a:p>
@@ -2977,6 +3086,217 @@
 
 <file path=ppt/slides/slide11.xml><?xml version="1.0" encoding="utf-8"?>
 <p:sld xmlns:a="http://schemas.openxmlformats.org/drawingml/2006/main" xmlns:r="http://schemas.openxmlformats.org/officeDocument/2006/relationships" xmlns:p="http://schemas.openxmlformats.org/presentationml/2006/main">
+  <p:cSld>
+    <p:spTree>
+      <p:nvGrpSpPr>
+        <p:cNvPr id="1" name="">
+          <a:extLst>
+            <a:ext uri="{FF2B5EF4-FFF2-40B4-BE49-F238E27FC236}">
+              <a16:creationId xmlns:a16="http://schemas.microsoft.com/office/drawing/2014/main" id="{7C73569D-C02C-EF60-7311-030C6DBD56AD}"/>
+            </a:ext>
+          </a:extLst>
+        </p:cNvPr>
+        <p:cNvGrpSpPr/>
+        <p:nvPr/>
+      </p:nvGrpSpPr>
+      <p:grpSpPr>
+        <a:xfrm>
+          <a:off x="0" y="0"/>
+          <a:ext cx="0" cy="0"/>
+          <a:chOff x="0" y="0"/>
+          <a:chExt cx="0" cy="0"/>
+        </a:xfrm>
+      </p:grpSpPr>
+      <p:sp>
+        <p:nvSpPr>
+          <p:cNvPr id="2" name="Shape 0">
+            <a:extLst>
+              <a:ext uri="{FF2B5EF4-FFF2-40B4-BE49-F238E27FC236}">
+                <a16:creationId xmlns:a16="http://schemas.microsoft.com/office/drawing/2014/main" id="{EA59420E-6737-0289-3FE2-D0EF783EECF4}"/>
+              </a:ext>
+            </a:extLst>
+          </p:cNvPr>
+          <p:cNvSpPr/>
+          <p:nvPr/>
+        </p:nvSpPr>
+        <p:spPr>
+          <a:xfrm>
+            <a:off x="9144000" y="0"/>
+            <a:ext cx="5486400" cy="8229600"/>
+          </a:xfrm>
+          <a:prstGeom prst="rect">
+            <a:avLst/>
+          </a:prstGeom>
+          <a:solidFill>
+            <a:srgbClr val="E6E6E7"/>
+          </a:solidFill>
+          <a:ln/>
+        </p:spPr>
+      </p:sp>
+      <p:pic>
+        <p:nvPicPr>
+          <p:cNvPr id="3" name="Image 0" descr="preencoded.png">
+            <a:extLst>
+              <a:ext uri="{FF2B5EF4-FFF2-40B4-BE49-F238E27FC236}">
+                <a16:creationId xmlns:a16="http://schemas.microsoft.com/office/drawing/2014/main" id="{6088F8F8-22FE-D8FF-285A-6056E6714910}"/>
+              </a:ext>
+            </a:extLst>
+          </p:cNvPr>
+          <p:cNvPicPr>
+            <a:picLocks noChangeAspect="1"/>
+          </p:cNvPicPr>
+          <p:nvPr/>
+        </p:nvPicPr>
+        <p:blipFill>
+          <a:blip r:embed="rId3"/>
+          <a:stretch>
+            <a:fillRect/>
+          </a:stretch>
+        </p:blipFill>
+        <p:spPr>
+          <a:xfrm>
+            <a:off x="9144000" y="0"/>
+            <a:ext cx="5486400" cy="8229600"/>
+          </a:xfrm>
+          <a:prstGeom prst="rect">
+            <a:avLst/>
+          </a:prstGeom>
+        </p:spPr>
+      </p:pic>
+      <p:sp>
+        <p:nvSpPr>
+          <p:cNvPr id="4" name="Text 1">
+            <a:extLst>
+              <a:ext uri="{FF2B5EF4-FFF2-40B4-BE49-F238E27FC236}">
+                <a16:creationId xmlns:a16="http://schemas.microsoft.com/office/drawing/2014/main" id="{64B3DCF8-9310-90EA-91AD-EFC50219BCF9}"/>
+              </a:ext>
+            </a:extLst>
+          </p:cNvPr>
+          <p:cNvSpPr/>
+          <p:nvPr/>
+        </p:nvSpPr>
+        <p:spPr>
+          <a:xfrm>
+            <a:off x="418624" y="591442"/>
+            <a:ext cx="5632490" cy="704017"/>
+          </a:xfrm>
+          <a:prstGeom prst="rect">
+            <a:avLst/>
+          </a:prstGeom>
+          <a:noFill/>
+          <a:ln/>
+        </p:spPr>
+        <p:txBody>
+          <a:bodyPr wrap="none" lIns="0" tIns="0" rIns="0" bIns="0" rtlCol="0" anchor="t"/>
+          <a:lstStyle/>
+          <a:p>
+            <a:pPr marL="0" indent="0" algn="l">
+              <a:lnSpc>
+                <a:spcPts val="5500"/>
+              </a:lnSpc>
+              <a:buNone/>
+            </a:pPr>
+            <a:r>
+              <a:rPr lang="en-US" sz="4400" dirty="0">
+                <a:solidFill>
+                  <a:srgbClr val="FFFFFF"/>
+                </a:solidFill>
+                <a:latin typeface="Nunito Semi Bold" pitchFamily="34" charset="0"/>
+                <a:ea typeface="Nunito Semi Bold" pitchFamily="34" charset="-122"/>
+                <a:cs typeface="Nunito Semi Bold" pitchFamily="34" charset="-120"/>
+              </a:rPr>
+              <a:t>12주</a:t>
+            </a:r>
+            <a:r>
+              <a:rPr lang="ko-KR" altLang="en-US" sz="4400" dirty="0">
+                <a:solidFill>
+                  <a:srgbClr val="FFFFFF"/>
+                </a:solidFill>
+                <a:latin typeface="Nunito Semi Bold" pitchFamily="34" charset="0"/>
+                <a:ea typeface="Nunito Semi Bold" pitchFamily="34" charset="-122"/>
+                <a:cs typeface="Nunito Semi Bold" pitchFamily="34" charset="-120"/>
+              </a:rPr>
+              <a:t>차</a:t>
+            </a:r>
+            <a:endParaRPr lang="en-US" sz="4400" dirty="0"/>
+          </a:p>
+        </p:txBody>
+      </p:sp>
+      <p:pic>
+        <p:nvPicPr>
+          <p:cNvPr id="6" name="그림 5">
+            <a:extLst>
+              <a:ext uri="{FF2B5EF4-FFF2-40B4-BE49-F238E27FC236}">
+                <a16:creationId xmlns:a16="http://schemas.microsoft.com/office/drawing/2014/main" id="{DB071438-144B-3C9B-B2F1-A5D5769E301D}"/>
+              </a:ext>
+            </a:extLst>
+          </p:cNvPr>
+          <p:cNvPicPr>
+            <a:picLocks noChangeAspect="1"/>
+          </p:cNvPicPr>
+          <p:nvPr/>
+        </p:nvPicPr>
+        <p:blipFill>
+          <a:blip r:embed="rId4"/>
+          <a:stretch>
+            <a:fillRect/>
+          </a:stretch>
+        </p:blipFill>
+        <p:spPr>
+          <a:xfrm>
+            <a:off x="714598" y="1295459"/>
+            <a:ext cx="7007832" cy="6379121"/>
+          </a:xfrm>
+          <a:prstGeom prst="rect">
+            <a:avLst/>
+          </a:prstGeom>
+        </p:spPr>
+      </p:pic>
+      <p:pic>
+        <p:nvPicPr>
+          <p:cNvPr id="9" name="그림 8">
+            <a:extLst>
+              <a:ext uri="{FF2B5EF4-FFF2-40B4-BE49-F238E27FC236}">
+                <a16:creationId xmlns:a16="http://schemas.microsoft.com/office/drawing/2014/main" id="{64A061AB-DCA9-D8B0-834F-0FBE76C6E2E9}"/>
+              </a:ext>
+            </a:extLst>
+          </p:cNvPr>
+          <p:cNvPicPr>
+            <a:picLocks noChangeAspect="1"/>
+          </p:cNvPicPr>
+          <p:nvPr/>
+        </p:nvPicPr>
+        <p:blipFill>
+          <a:blip r:embed="rId5"/>
+          <a:stretch>
+            <a:fillRect/>
+          </a:stretch>
+        </p:blipFill>
+        <p:spPr>
+          <a:xfrm>
+            <a:off x="8429402" y="3114620"/>
+            <a:ext cx="5610763" cy="2000359"/>
+          </a:xfrm>
+          <a:prstGeom prst="rect">
+            <a:avLst/>
+          </a:prstGeom>
+        </p:spPr>
+      </p:pic>
+    </p:spTree>
+    <p:extLst>
+      <p:ext uri="{BB962C8B-B14F-4D97-AF65-F5344CB8AC3E}">
+        <p14:creationId xmlns:p14="http://schemas.microsoft.com/office/powerpoint/2010/main" val="1731381921"/>
+      </p:ext>
+    </p:extLst>
+  </p:cSld>
+  <p:clrMapOvr>
+    <a:masterClrMapping/>
+  </p:clrMapOvr>
+</p:sld>
+</file>
+
+<file path=ppt/slides/slide12.xml><?xml version="1.0" encoding="utf-8"?>
+<p:sld xmlns:a="http://schemas.openxmlformats.org/drawingml/2006/main" xmlns:r="http://schemas.openxmlformats.org/officeDocument/2006/relationships" xmlns:p="http://schemas.openxmlformats.org/presentationml/2006/main">
   <p:cSld name="Slide 9">
     <p:spTree>
       <p:nvGrpSpPr>
@@ -3075,7 +3395,7 @@
               <a:t>최종 점수 </a:t>
             </a:r>
             <a:r>
-              <a:rPr lang="en-US" altLang="ko-KR" sz="4400" dirty="0">
+              <a:rPr lang="en-US" altLang="ko-KR" sz="4400">
                 <a:solidFill>
                   <a:srgbClr val="FFFFFF"/>
                 </a:solidFill>
@@ -3083,7 +3403,7 @@
                 <a:ea typeface="Nunito Semi Bold" pitchFamily="34" charset="-122"/>
                 <a:cs typeface="Nunito Semi Bold" pitchFamily="34" charset="-120"/>
               </a:rPr>
-              <a:t>: 13.5</a:t>
+              <a:t>: 14</a:t>
             </a:r>
             <a:endParaRPr lang="en-US" sz="4400" dirty="0"/>
           </a:p>
@@ -3143,6 +3463,15 @@
               </a:lnSpc>
               <a:buNone/>
             </a:pPr>
+            <a:r>
+              <a:rPr lang="ko-KR" altLang="en-US" sz="2200" dirty="0">
+                <a:solidFill>
+                  <a:srgbClr val="FFFFFF"/>
+                </a:solidFill>
+                <a:latin typeface="Nunito Semi Bold" pitchFamily="34" charset="0"/>
+              </a:rPr>
+              <a:t>늦게 </a:t>
+            </a:r>
             <a:r>
               <a:rPr lang="ko-KR" altLang="en-US" sz="2200" dirty="0" err="1">
                 <a:solidFill>
@@ -3168,7 +3497,7 @@
                 </a:solidFill>
                 <a:latin typeface="Nunito Semi Bold" pitchFamily="34" charset="0"/>
               </a:rPr>
-              <a:t>: 9</a:t>
+              <a:t>: 1</a:t>
             </a:r>
             <a:endParaRPr lang="en-US" sz="2200" dirty="0"/>
           </a:p>
@@ -3222,6 +3551,41 @@
                 <a:cs typeface="PT Sans" pitchFamily="34" charset="-120"/>
               </a:rPr>
               <a:t>: 1.5</a:t>
+            </a:r>
+          </a:p>
+          <a:p>
+            <a:pPr marL="0" indent="0" algn="l">
+              <a:lnSpc>
+                <a:spcPts val="3000"/>
+              </a:lnSpc>
+              <a:buNone/>
+            </a:pPr>
+            <a:r>
+              <a:rPr lang="ko-KR" altLang="en-US" sz="1850" dirty="0">
+                <a:solidFill>
+                  <a:srgbClr val="FFFFFF"/>
+                </a:solidFill>
+                <a:latin typeface="PT Sans" pitchFamily="34" charset="0"/>
+              </a:rPr>
+              <a:t>감점 </a:t>
+            </a:r>
+            <a:r>
+              <a:rPr lang="en-US" altLang="ko-KR" sz="1850" dirty="0">
+                <a:solidFill>
+                  <a:srgbClr val="FFFFFF"/>
+                </a:solidFill>
+                <a:latin typeface="PT Sans" pitchFamily="34" charset="0"/>
+              </a:rPr>
+              <a:t>1</a:t>
+            </a:r>
+            <a:r>
+              <a:rPr lang="ko-KR" altLang="en-US" sz="1850" dirty="0">
+                <a:solidFill>
+                  <a:srgbClr val="FFFFFF"/>
+                </a:solidFill>
+                <a:latin typeface="PT Sans" pitchFamily="34" charset="0"/>
+              </a:rPr>
+              <a:t>점</a:t>
             </a:r>
             <a:endParaRPr lang="en-US" sz="1850" dirty="0"/>
           </a:p>
